--- a/Documents/Meeting Updates/MarchingMasters-1117.pptx
+++ b/Documents/Meeting Updates/MarchingMasters-1117.pptx
@@ -4324,31 +4324,7 @@
               <a:rPr lang="en-US" dirty="0">
                 <a:sym typeface="Wingdings" pitchFamily="2" charset="2"/>
               </a:rPr>
-              <a:t> (</a:t>
-            </a:r>
-            <a:r>
-              <a:rPr lang="en-US" dirty="0" err="1">
-                <a:sym typeface="Wingdings" pitchFamily="2" charset="2"/>
-              </a:rPr>
-              <a:t>Jeffer</a:t>
-            </a:r>
-            <a:r>
-              <a:rPr lang="en-US" dirty="0">
-                <a:sym typeface="Wingdings" pitchFamily="2" charset="2"/>
-              </a:rPr>
-              <a:t>/Brandin/</a:t>
-            </a:r>
-            <a:r>
-              <a:rPr lang="en-US" dirty="0" err="1">
-                <a:sym typeface="Wingdings" pitchFamily="2" charset="2"/>
-              </a:rPr>
-              <a:t>Tumaris</a:t>
-            </a:r>
-            <a:r>
-              <a:rPr lang="en-US" dirty="0">
-                <a:sym typeface="Wingdings" pitchFamily="2" charset="2"/>
-              </a:rPr>
-              <a:t>/Aparna)</a:t>
+              <a:t> (Team)</a:t>
             </a:r>
           </a:p>
           <a:p>
